--- a/fantatitolari/file/logo.pptx
+++ b/fantatitolari/file/logo.pptx
@@ -104,6 +104,11 @@
       </a:defRPr>
     </a:lvl9pPr>
   </p:defaultTextStyle>
+  <p:extLst>
+    <p:ext uri="{EFAFB233-063F-42B5-8137-9DF3F51BA10A}">
+      <p15:sldGuideLst xmlns:p15="http://schemas.microsoft.com/office/powerpoint/2012/main"/>
+    </p:ext>
+  </p:extLst>
 </p:presentation>
 </file>
 
@@ -238,7 +243,7 @@
           <a:p>
             <a:fld id="{AEFF6416-18D1-4796-99B4-F0FE5E432A06}" type="datetimeFigureOut">
               <a:rPr lang="it-IT" smtClean="0"/>
-              <a:t>25/10/2017</a:t>
+              <a:t>26/10/2017</a:t>
             </a:fld>
             <a:endParaRPr lang="it-IT"/>
           </a:p>
@@ -408,7 +413,7 @@
           <a:p>
             <a:fld id="{AEFF6416-18D1-4796-99B4-F0FE5E432A06}" type="datetimeFigureOut">
               <a:rPr lang="it-IT" smtClean="0"/>
-              <a:t>25/10/2017</a:t>
+              <a:t>26/10/2017</a:t>
             </a:fld>
             <a:endParaRPr lang="it-IT"/>
           </a:p>
@@ -588,7 +593,7 @@
           <a:p>
             <a:fld id="{AEFF6416-18D1-4796-99B4-F0FE5E432A06}" type="datetimeFigureOut">
               <a:rPr lang="it-IT" smtClean="0"/>
-              <a:t>25/10/2017</a:t>
+              <a:t>26/10/2017</a:t>
             </a:fld>
             <a:endParaRPr lang="it-IT"/>
           </a:p>
@@ -758,7 +763,7 @@
           <a:p>
             <a:fld id="{AEFF6416-18D1-4796-99B4-F0FE5E432A06}" type="datetimeFigureOut">
               <a:rPr lang="it-IT" smtClean="0"/>
-              <a:t>25/10/2017</a:t>
+              <a:t>26/10/2017</a:t>
             </a:fld>
             <a:endParaRPr lang="it-IT"/>
           </a:p>
@@ -1004,7 +1009,7 @@
           <a:p>
             <a:fld id="{AEFF6416-18D1-4796-99B4-F0FE5E432A06}" type="datetimeFigureOut">
               <a:rPr lang="it-IT" smtClean="0"/>
-              <a:t>25/10/2017</a:t>
+              <a:t>26/10/2017</a:t>
             </a:fld>
             <a:endParaRPr lang="it-IT"/>
           </a:p>
@@ -1236,7 +1241,7 @@
           <a:p>
             <a:fld id="{AEFF6416-18D1-4796-99B4-F0FE5E432A06}" type="datetimeFigureOut">
               <a:rPr lang="it-IT" smtClean="0"/>
-              <a:t>25/10/2017</a:t>
+              <a:t>26/10/2017</a:t>
             </a:fld>
             <a:endParaRPr lang="it-IT"/>
           </a:p>
@@ -1603,7 +1608,7 @@
           <a:p>
             <a:fld id="{AEFF6416-18D1-4796-99B4-F0FE5E432A06}" type="datetimeFigureOut">
               <a:rPr lang="it-IT" smtClean="0"/>
-              <a:t>25/10/2017</a:t>
+              <a:t>26/10/2017</a:t>
             </a:fld>
             <a:endParaRPr lang="it-IT"/>
           </a:p>
@@ -1721,7 +1726,7 @@
           <a:p>
             <a:fld id="{AEFF6416-18D1-4796-99B4-F0FE5E432A06}" type="datetimeFigureOut">
               <a:rPr lang="it-IT" smtClean="0"/>
-              <a:t>25/10/2017</a:t>
+              <a:t>26/10/2017</a:t>
             </a:fld>
             <a:endParaRPr lang="it-IT"/>
           </a:p>
@@ -1816,7 +1821,7 @@
           <a:p>
             <a:fld id="{AEFF6416-18D1-4796-99B4-F0FE5E432A06}" type="datetimeFigureOut">
               <a:rPr lang="it-IT" smtClean="0"/>
-              <a:t>25/10/2017</a:t>
+              <a:t>26/10/2017</a:t>
             </a:fld>
             <a:endParaRPr lang="it-IT"/>
           </a:p>
@@ -2093,7 +2098,7 @@
           <a:p>
             <a:fld id="{AEFF6416-18D1-4796-99B4-F0FE5E432A06}" type="datetimeFigureOut">
               <a:rPr lang="it-IT" smtClean="0"/>
-              <a:t>25/10/2017</a:t>
+              <a:t>26/10/2017</a:t>
             </a:fld>
             <a:endParaRPr lang="it-IT"/>
           </a:p>
@@ -2346,7 +2351,7 @@
           <a:p>
             <a:fld id="{AEFF6416-18D1-4796-99B4-F0FE5E432A06}" type="datetimeFigureOut">
               <a:rPr lang="it-IT" smtClean="0"/>
-              <a:t>25/10/2017</a:t>
+              <a:t>26/10/2017</a:t>
             </a:fld>
             <a:endParaRPr lang="it-IT"/>
           </a:p>
@@ -2559,7 +2564,7 @@
           <a:p>
             <a:fld id="{AEFF6416-18D1-4796-99B4-F0FE5E432A06}" type="datetimeFigureOut">
               <a:rPr lang="it-IT" smtClean="0"/>
-              <a:t>25/10/2017</a:t>
+              <a:t>26/10/2017</a:t>
             </a:fld>
             <a:endParaRPr lang="it-IT"/>
           </a:p>
@@ -3966,11 +3971,14 @@
         </p:nvGrpSpPr>
         <p:grpSpPr>
           <a:xfrm rot="5400000">
-            <a:off x="4286001" y="-854996"/>
+            <a:off x="5165865" y="2771823"/>
             <a:ext cx="1822820" cy="4085481"/>
             <a:chOff x="4253414" y="1073856"/>
             <a:chExt cx="1822820" cy="4085481"/>
           </a:xfrm>
+          <a:solidFill>
+            <a:schemeClr val="tx1"/>
+          </a:solidFill>
         </p:grpSpPr>
         <p:sp>
           <p:nvSpPr>
@@ -3986,9 +3994,7 @@
             <a:prstGeom prst="ellipse">
               <a:avLst/>
             </a:prstGeom>
-            <a:solidFill>
-              <a:schemeClr val="bg1"/>
-            </a:solidFill>
+            <a:grpFill/>
             <a:ln>
               <a:noFill/>
             </a:ln>
@@ -4033,9 +4039,7 @@
             <a:prstGeom prst="rect">
               <a:avLst/>
             </a:prstGeom>
-            <a:solidFill>
-              <a:schemeClr val="bg1"/>
-            </a:solidFill>
+            <a:grpFill/>
             <a:ln>
               <a:noFill/>
             </a:ln>
@@ -4079,9 +4083,7 @@
             <a:prstGeom prst="triangle">
               <a:avLst/>
             </a:prstGeom>
-            <a:solidFill>
-              <a:schemeClr val="bg1"/>
-            </a:solidFill>
+            <a:grpFill/>
             <a:ln>
               <a:noFill/>
             </a:ln>
@@ -4125,6 +4127,7 @@
               <a:chOff x="5064078" y="1868586"/>
               <a:chExt cx="1012156" cy="1391405"/>
             </a:xfrm>
+            <a:grpFill/>
           </p:grpSpPr>
           <p:sp>
             <p:nvSpPr>
@@ -4140,9 +4143,7 @@
               <a:prstGeom prst="rect">
                 <a:avLst/>
               </a:prstGeom>
-              <a:solidFill>
-                <a:schemeClr val="bg1"/>
-              </a:solidFill>
+              <a:grpFill/>
               <a:ln>
                 <a:noFill/>
               </a:ln>
@@ -4190,9 +4191,10 @@
                   <a:gd name="adj2" fmla="val 18872715"/>
                 </a:avLst>
               </a:prstGeom>
+              <a:noFill/>
               <a:ln w="146050">
                 <a:solidFill>
-                  <a:schemeClr val="bg1"/>
+                  <a:schemeClr val="tx1"/>
                 </a:solidFill>
               </a:ln>
             </p:spPr>
@@ -4236,9 +4238,10 @@
                   <a:gd name="adj2" fmla="val 19225453"/>
                 </a:avLst>
               </a:prstGeom>
+              <a:noFill/>
               <a:ln w="146050">
                 <a:solidFill>
-                  <a:schemeClr val="bg1"/>
+                  <a:schemeClr val="tx1"/>
                 </a:solidFill>
               </a:ln>
             </p:spPr>
@@ -4279,9 +4282,7 @@
               <a:prstGeom prst="rect">
                 <a:avLst/>
               </a:prstGeom>
-              <a:solidFill>
-                <a:schemeClr val="bg1"/>
-              </a:solidFill>
+              <a:grpFill/>
               <a:ln>
                 <a:noFill/>
               </a:ln>
@@ -4325,9 +4326,7 @@
               <a:prstGeom prst="rect">
                 <a:avLst/>
               </a:prstGeom>
-              <a:solidFill>
-                <a:schemeClr val="bg1"/>
-              </a:solidFill>
+              <a:grpFill/>
               <a:ln>
                 <a:noFill/>
               </a:ln>
@@ -4371,6 +4370,7 @@
               <a:chOff x="4253414" y="2439379"/>
               <a:chExt cx="1013911" cy="1435975"/>
             </a:xfrm>
+            <a:grpFill/>
           </p:grpSpPr>
           <p:sp>
             <p:nvSpPr>
@@ -4386,9 +4386,7 @@
               <a:prstGeom prst="ellipse">
                 <a:avLst/>
               </a:prstGeom>
-              <a:solidFill>
-                <a:schemeClr val="bg1"/>
-              </a:solidFill>
+              <a:grpFill/>
               <a:ln>
                 <a:noFill/>
               </a:ln>
@@ -4432,6 +4430,7 @@
                 <a:chOff x="5216478" y="2049104"/>
                 <a:chExt cx="866062" cy="1363287"/>
               </a:xfrm>
+              <a:grpFill/>
             </p:grpSpPr>
             <p:sp>
               <p:nvSpPr>
@@ -4450,9 +4449,10 @@
                     <a:gd name="adj2" fmla="val 18872715"/>
                   </a:avLst>
                 </a:prstGeom>
+                <a:noFill/>
                 <a:ln w="146050">
                   <a:solidFill>
-                    <a:schemeClr val="bg1"/>
+                    <a:schemeClr val="tx1"/>
                   </a:solidFill>
                 </a:ln>
               </p:spPr>
@@ -4496,9 +4496,10 @@
                     <a:gd name="adj2" fmla="val 19225453"/>
                   </a:avLst>
                 </a:prstGeom>
+                <a:noFill/>
                 <a:ln w="146050">
                   <a:solidFill>
-                    <a:schemeClr val="bg1"/>
+                    <a:schemeClr val="tx1"/>
                   </a:solidFill>
                 </a:ln>
               </p:spPr>
@@ -4539,9 +4540,7 @@
                 <a:prstGeom prst="rect">
                   <a:avLst/>
                 </a:prstGeom>
-                <a:solidFill>
-                  <a:schemeClr val="bg1"/>
-                </a:solidFill>
+                <a:grpFill/>
                 <a:ln>
                   <a:noFill/>
                 </a:ln>
@@ -4585,9 +4584,7 @@
                 <a:prstGeom prst="rect">
                   <a:avLst/>
                 </a:prstGeom>
-                <a:solidFill>
-                  <a:schemeClr val="bg1"/>
-                </a:solidFill>
+                <a:grpFill/>
                 <a:ln>
                   <a:noFill/>
                 </a:ln>
@@ -4632,6 +4629,7 @@
               <a:chOff x="4253414" y="2439379"/>
               <a:chExt cx="1013909" cy="1435975"/>
             </a:xfrm>
+            <a:grpFill/>
           </p:grpSpPr>
           <p:sp>
             <p:nvSpPr>
@@ -4647,9 +4645,7 @@
               <a:prstGeom prst="ellipse">
                 <a:avLst/>
               </a:prstGeom>
-              <a:solidFill>
-                <a:schemeClr val="bg1"/>
-              </a:solidFill>
+              <a:grpFill/>
               <a:ln>
                 <a:noFill/>
               </a:ln>
@@ -4693,6 +4689,7 @@
                 <a:chOff x="5216478" y="2049104"/>
                 <a:chExt cx="858514" cy="1363287"/>
               </a:xfrm>
+              <a:grpFill/>
             </p:grpSpPr>
             <p:sp>
               <p:nvSpPr>
@@ -4711,9 +4708,10 @@
                     <a:gd name="adj2" fmla="val 18872715"/>
                   </a:avLst>
                 </a:prstGeom>
+                <a:noFill/>
                 <a:ln w="146050">
                   <a:solidFill>
-                    <a:schemeClr val="bg1"/>
+                    <a:schemeClr val="tx1"/>
                   </a:solidFill>
                 </a:ln>
               </p:spPr>
@@ -4757,9 +4755,10 @@
                     <a:gd name="adj2" fmla="val 19225453"/>
                   </a:avLst>
                 </a:prstGeom>
+                <a:noFill/>
                 <a:ln w="146050">
                   <a:solidFill>
-                    <a:schemeClr val="bg1"/>
+                    <a:schemeClr val="tx1"/>
                   </a:solidFill>
                 </a:ln>
               </p:spPr>
@@ -4800,13 +4799,9 @@
                 <a:prstGeom prst="rect">
                   <a:avLst/>
                 </a:prstGeom>
-                <a:solidFill>
-                  <a:schemeClr val="bg1"/>
-                </a:solidFill>
+                <a:grpFill/>
                 <a:ln>
-                  <a:solidFill>
-                    <a:schemeClr val="bg1"/>
-                  </a:solidFill>
+                  <a:noFill/>
                 </a:ln>
               </p:spPr>
               <p:style>
@@ -4848,9 +4843,7 @@
                 <a:prstGeom prst="rect">
                   <a:avLst/>
                 </a:prstGeom>
-                <a:solidFill>
-                  <a:schemeClr val="bg1"/>
-                </a:solidFill>
+                <a:grpFill/>
                 <a:ln>
                   <a:noFill/>
                 </a:ln>
